--- a/75彼此相愛.pptx
+++ b/75彼此相愛.pptx
@@ -252,7 +252,7 @@
             <a:fld id="{74BC4726-2204-402F-8651-3DE2807316DF}" type="datetimeFigureOut">
               <a:rPr lang="en-US" smtClean="0"/>
               <a:pPr/>
-              <a:t>3/12/2016</a:t>
+              <a:t>3/30/2019</a:t>
             </a:fld>
             <a:endParaRPr lang="en-US"/>
           </a:p>
@@ -1123,7 +1123,7 @@
             <a:fld id="{74BC4726-2204-402F-8651-3DE2807316DF}" type="datetimeFigureOut">
               <a:rPr lang="en-US" smtClean="0"/>
               <a:pPr/>
-              <a:t>3/12/2016</a:t>
+              <a:t>3/30/2019</a:t>
             </a:fld>
             <a:endParaRPr lang="en-US"/>
           </a:p>
@@ -1300,7 +1300,7 @@
             <a:fld id="{74BC4726-2204-402F-8651-3DE2807316DF}" type="datetimeFigureOut">
               <a:rPr lang="en-US" smtClean="0"/>
               <a:pPr/>
-              <a:t>3/12/2016</a:t>
+              <a:t>3/30/2019</a:t>
             </a:fld>
             <a:endParaRPr lang="en-US"/>
           </a:p>
@@ -1472,7 +1472,7 @@
             <a:fld id="{74BC4726-2204-402F-8651-3DE2807316DF}" type="datetimeFigureOut">
               <a:rPr lang="en-US" smtClean="0"/>
               <a:pPr/>
-              <a:t>3/12/2016</a:t>
+              <a:t>3/30/2019</a:t>
             </a:fld>
             <a:endParaRPr lang="en-US"/>
           </a:p>
@@ -1684,7 +1684,7 @@
             <a:fld id="{74BC4726-2204-402F-8651-3DE2807316DF}" type="datetimeFigureOut">
               <a:rPr lang="en-US" smtClean="0"/>
               <a:pPr/>
-              <a:t>3/12/2016</a:t>
+              <a:t>3/30/2019</a:t>
             </a:fld>
             <a:endParaRPr lang="en-US"/>
           </a:p>
@@ -2500,7 +2500,7 @@
             <a:fld id="{74BC4726-2204-402F-8651-3DE2807316DF}" type="datetimeFigureOut">
               <a:rPr lang="en-US" smtClean="0"/>
               <a:pPr/>
-              <a:t>3/12/2016</a:t>
+              <a:t>3/30/2019</a:t>
             </a:fld>
             <a:endParaRPr lang="en-US"/>
           </a:p>
@@ -2738,7 +2738,7 @@
             <a:fld id="{74BC4726-2204-402F-8651-3DE2807316DF}" type="datetimeFigureOut">
               <a:rPr lang="en-US" smtClean="0"/>
               <a:pPr/>
-              <a:t>3/12/2016</a:t>
+              <a:t>3/30/2019</a:t>
             </a:fld>
             <a:endParaRPr lang="en-US"/>
           </a:p>
@@ -3063,7 +3063,7 @@
             <a:fld id="{74BC4726-2204-402F-8651-3DE2807316DF}" type="datetimeFigureOut">
               <a:rPr lang="en-US" smtClean="0"/>
               <a:pPr/>
-              <a:t>3/12/2016</a:t>
+              <a:t>3/30/2019</a:t>
             </a:fld>
             <a:endParaRPr lang="en-US"/>
           </a:p>
@@ -3155,7 +3155,7 @@
             <a:fld id="{74BC4726-2204-402F-8651-3DE2807316DF}" type="datetimeFigureOut">
               <a:rPr lang="en-US" smtClean="0"/>
               <a:pPr/>
-              <a:t>3/12/2016</a:t>
+              <a:t>3/30/2019</a:t>
             </a:fld>
             <a:endParaRPr lang="en-US"/>
           </a:p>
@@ -3674,7 +3674,7 @@
             <a:fld id="{74BC4726-2204-402F-8651-3DE2807316DF}" type="datetimeFigureOut">
               <a:rPr lang="en-US" smtClean="0"/>
               <a:pPr/>
-              <a:t>3/12/2016</a:t>
+              <a:t>3/30/2019</a:t>
             </a:fld>
             <a:endParaRPr lang="en-US"/>
           </a:p>
@@ -4187,7 +4187,7 @@
             <a:fld id="{74BC4726-2204-402F-8651-3DE2807316DF}" type="datetimeFigureOut">
               <a:rPr lang="en-US" smtClean="0"/>
               <a:pPr/>
-              <a:t>3/12/2016</a:t>
+              <a:t>3/30/2019</a:t>
             </a:fld>
             <a:endParaRPr lang="en-US"/>
           </a:p>
@@ -4434,7 +4434,7 @@
             <a:fld id="{74BC4726-2204-402F-8651-3DE2807316DF}" type="datetimeFigureOut">
               <a:rPr lang="en-US" smtClean="0"/>
               <a:pPr/>
-              <a:t>3/12/2016</a:t>
+              <a:t>3/30/2019</a:t>
             </a:fld>
             <a:endParaRPr lang="en-US"/>
           </a:p>
@@ -5058,10 +5058,16 @@
           <a:lstStyle/>
           <a:p>
             <a:r>
-              <a:rPr lang="zh-CN" altLang="en-US" sz="8800" dirty="0" smtClean="0"/>
+              <a:rPr lang="zh-CN" altLang="en-US" sz="8800" dirty="0" smtClean="0">
+                <a:latin typeface="微軟正黑體" pitchFamily="34" charset="-120"/>
+                <a:ea typeface="微軟正黑體" pitchFamily="34" charset="-120"/>
+              </a:rPr>
               <a:t>彼此相愛</a:t>
             </a:r>
-            <a:endParaRPr lang="en-US" sz="8800" dirty="0"/>
+            <a:endParaRPr lang="en-US" sz="8800" dirty="0">
+              <a:latin typeface="微軟正黑體" pitchFamily="34" charset="-120"/>
+              <a:ea typeface="微軟正黑體" pitchFamily="34" charset="-120"/>
+            </a:endParaRPr>
           </a:p>
         </p:txBody>
       </p:sp>
@@ -5083,130 +5089,226 @@
           <a:lstStyle/>
           <a:p>
             <a:r>
-              <a:rPr lang="zh-CN" altLang="en-US" dirty="0" smtClean="0"/>
+              <a:rPr lang="zh-CN" altLang="en-US" dirty="0" smtClean="0">
+                <a:latin typeface="微軟正黑體" pitchFamily="34" charset="-120"/>
+                <a:ea typeface="微軟正黑體" pitchFamily="34" charset="-120"/>
+              </a:rPr>
               <a:t>約壹</a:t>
             </a:r>
             <a:r>
-              <a:rPr lang="en-US" altLang="zh-CN" dirty="0" smtClean="0"/>
+              <a:rPr lang="en-US" altLang="zh-CN" dirty="0" smtClean="0">
+                <a:latin typeface="微軟正黑體" pitchFamily="34" charset="-120"/>
+                <a:ea typeface="微軟正黑體" pitchFamily="34" charset="-120"/>
+              </a:rPr>
               <a:t>3</a:t>
             </a:r>
             <a:r>
-              <a:rPr lang="zh-CN" altLang="en-US" dirty="0" smtClean="0"/>
+              <a:rPr lang="zh-CN" altLang="en-US" dirty="0" smtClean="0">
+                <a:latin typeface="微軟正黑體" pitchFamily="34" charset="-120"/>
+                <a:ea typeface="微軟正黑體" pitchFamily="34" charset="-120"/>
+              </a:rPr>
               <a:t>：</a:t>
             </a:r>
             <a:r>
-              <a:rPr lang="en-US" altLang="zh-CN" dirty="0" smtClean="0"/>
+              <a:rPr lang="en-US" altLang="zh-CN" dirty="0" smtClean="0">
+                <a:latin typeface="微軟正黑體" pitchFamily="34" charset="-120"/>
+                <a:ea typeface="微軟正黑體" pitchFamily="34" charset="-120"/>
+              </a:rPr>
               <a:t>11</a:t>
             </a:r>
             <a:r>
-              <a:rPr lang="zh-CN" altLang="en-US" dirty="0" smtClean="0"/>
+              <a:rPr lang="zh-CN" altLang="en-US" dirty="0" smtClean="0">
+                <a:latin typeface="微軟正黑體" pitchFamily="34" charset="-120"/>
+                <a:ea typeface="微軟正黑體" pitchFamily="34" charset="-120"/>
+              </a:rPr>
               <a:t>，</a:t>
             </a:r>
             <a:r>
-              <a:rPr lang="en-US" altLang="zh-CN" dirty="0" smtClean="0"/>
+              <a:rPr lang="en-US" altLang="zh-CN" dirty="0" smtClean="0">
+                <a:latin typeface="微軟正黑體" pitchFamily="34" charset="-120"/>
+                <a:ea typeface="微軟正黑體" pitchFamily="34" charset="-120"/>
+              </a:rPr>
               <a:t>4</a:t>
             </a:r>
             <a:r>
-              <a:rPr lang="zh-CN" altLang="en-US" dirty="0" smtClean="0"/>
+              <a:rPr lang="zh-CN" altLang="en-US" dirty="0" smtClean="0">
+                <a:latin typeface="微軟正黑體" pitchFamily="34" charset="-120"/>
+                <a:ea typeface="微軟正黑體" pitchFamily="34" charset="-120"/>
+              </a:rPr>
               <a:t>：</a:t>
             </a:r>
             <a:r>
-              <a:rPr lang="en-US" altLang="zh-CN" dirty="0" smtClean="0"/>
+              <a:rPr lang="en-US" altLang="zh-CN" dirty="0" smtClean="0">
+                <a:latin typeface="微軟正黑體" pitchFamily="34" charset="-120"/>
+                <a:ea typeface="微軟正黑體" pitchFamily="34" charset="-120"/>
+              </a:rPr>
               <a:t>19-21</a:t>
             </a:r>
             <a:r>
-              <a:rPr lang="zh-CN" altLang="en-US" dirty="0" smtClean="0"/>
+              <a:rPr lang="zh-CN" altLang="en-US" dirty="0" smtClean="0">
+                <a:latin typeface="微軟正黑體" pitchFamily="34" charset="-120"/>
+                <a:ea typeface="微軟正黑體" pitchFamily="34" charset="-120"/>
+              </a:rPr>
               <a:t>；弗</a:t>
             </a:r>
             <a:r>
-              <a:rPr lang="en-US" altLang="zh-CN" dirty="0" smtClean="0"/>
+              <a:rPr lang="en-US" altLang="zh-CN" dirty="0" smtClean="0">
+                <a:latin typeface="微軟正黑體" pitchFamily="34" charset="-120"/>
+                <a:ea typeface="微軟正黑體" pitchFamily="34" charset="-120"/>
+              </a:rPr>
               <a:t>4</a:t>
             </a:r>
             <a:r>
-              <a:rPr lang="zh-CN" altLang="en-US" dirty="0" smtClean="0"/>
+              <a:rPr lang="zh-CN" altLang="en-US" dirty="0" smtClean="0">
+                <a:latin typeface="微軟正黑體" pitchFamily="34" charset="-120"/>
+                <a:ea typeface="微軟正黑體" pitchFamily="34" charset="-120"/>
+              </a:rPr>
               <a:t>：</a:t>
             </a:r>
             <a:r>
-              <a:rPr lang="en-US" altLang="zh-CN" dirty="0" smtClean="0"/>
+              <a:rPr lang="en-US" altLang="zh-CN" dirty="0" smtClean="0">
+                <a:latin typeface="微軟正黑體" pitchFamily="34" charset="-120"/>
+                <a:ea typeface="微軟正黑體" pitchFamily="34" charset="-120"/>
+              </a:rPr>
               <a:t>31-5</a:t>
             </a:r>
             <a:r>
-              <a:rPr lang="zh-CN" altLang="en-US" dirty="0" smtClean="0"/>
+              <a:rPr lang="zh-CN" altLang="en-US" dirty="0" smtClean="0">
+                <a:latin typeface="微軟正黑體" pitchFamily="34" charset="-120"/>
+                <a:ea typeface="微軟正黑體" pitchFamily="34" charset="-120"/>
+              </a:rPr>
               <a:t>：</a:t>
             </a:r>
             <a:r>
-              <a:rPr lang="en-US" altLang="zh-CN" dirty="0" smtClean="0"/>
+              <a:rPr lang="en-US" altLang="zh-CN" dirty="0" smtClean="0">
+                <a:latin typeface="微軟正黑體" pitchFamily="34" charset="-120"/>
+                <a:ea typeface="微軟正黑體" pitchFamily="34" charset="-120"/>
+              </a:rPr>
               <a:t>2</a:t>
             </a:r>
             <a:r>
-              <a:rPr lang="zh-CN" altLang="en-US" dirty="0" smtClean="0"/>
+              <a:rPr lang="zh-CN" altLang="en-US" dirty="0" smtClean="0">
+                <a:latin typeface="微軟正黑體" pitchFamily="34" charset="-120"/>
+                <a:ea typeface="微軟正黑體" pitchFamily="34" charset="-120"/>
+              </a:rPr>
               <a:t>；</a:t>
             </a:r>
-            <a:endParaRPr lang="en-US" altLang="zh-CN" dirty="0" smtClean="0"/>
-          </a:p>
-          <a:p>
-            <a:r>
-              <a:rPr lang="zh-CN" altLang="en-US" dirty="0" smtClean="0"/>
+            <a:endParaRPr lang="en-US" altLang="zh-CN" dirty="0" smtClean="0">
+              <a:latin typeface="微軟正黑體" pitchFamily="34" charset="-120"/>
+              <a:ea typeface="微軟正黑體" pitchFamily="34" charset="-120"/>
+            </a:endParaRPr>
+          </a:p>
+          <a:p>
+            <a:r>
+              <a:rPr lang="zh-CN" altLang="en-US" dirty="0" smtClean="0">
+                <a:latin typeface="微軟正黑體" pitchFamily="34" charset="-120"/>
+                <a:ea typeface="微軟正黑體" pitchFamily="34" charset="-120"/>
+              </a:rPr>
               <a:t>約壹</a:t>
             </a:r>
             <a:r>
-              <a:rPr lang="en-US" altLang="zh-CN" dirty="0" smtClean="0"/>
+              <a:rPr lang="en-US" altLang="zh-CN" dirty="0" smtClean="0">
+                <a:latin typeface="微軟正黑體" pitchFamily="34" charset="-120"/>
+                <a:ea typeface="微軟正黑體" pitchFamily="34" charset="-120"/>
+              </a:rPr>
               <a:t>3</a:t>
             </a:r>
             <a:r>
-              <a:rPr lang="zh-CN" altLang="en-US" dirty="0" smtClean="0"/>
+              <a:rPr lang="zh-CN" altLang="en-US" dirty="0" smtClean="0">
+                <a:latin typeface="微軟正黑體" pitchFamily="34" charset="-120"/>
+                <a:ea typeface="微軟正黑體" pitchFamily="34" charset="-120"/>
+              </a:rPr>
               <a:t>：</a:t>
             </a:r>
             <a:r>
-              <a:rPr lang="en-US" altLang="zh-CN" dirty="0" smtClean="0"/>
+              <a:rPr lang="en-US" altLang="zh-CN" dirty="0" smtClean="0">
+                <a:latin typeface="微軟正黑體" pitchFamily="34" charset="-120"/>
+                <a:ea typeface="微軟正黑體" pitchFamily="34" charset="-120"/>
+              </a:rPr>
               <a:t>16</a:t>
             </a:r>
             <a:r>
-              <a:rPr lang="zh-CN" altLang="en-US" dirty="0" smtClean="0"/>
+              <a:rPr lang="zh-CN" altLang="en-US" dirty="0" smtClean="0">
+                <a:latin typeface="微軟正黑體" pitchFamily="34" charset="-120"/>
+                <a:ea typeface="微軟正黑體" pitchFamily="34" charset="-120"/>
+              </a:rPr>
               <a:t>，</a:t>
             </a:r>
             <a:r>
-              <a:rPr lang="en-US" altLang="zh-CN" dirty="0" smtClean="0"/>
+              <a:rPr lang="en-US" altLang="zh-CN" dirty="0" smtClean="0">
+                <a:latin typeface="微軟正黑體" pitchFamily="34" charset="-120"/>
+                <a:ea typeface="微軟正黑體" pitchFamily="34" charset="-120"/>
+              </a:rPr>
               <a:t>4</a:t>
             </a:r>
             <a:r>
-              <a:rPr lang="zh-CN" altLang="en-US" dirty="0" smtClean="0"/>
+              <a:rPr lang="zh-CN" altLang="en-US" dirty="0" smtClean="0">
+                <a:latin typeface="微軟正黑體" pitchFamily="34" charset="-120"/>
+                <a:ea typeface="微軟正黑體" pitchFamily="34" charset="-120"/>
+              </a:rPr>
               <a:t>：</a:t>
             </a:r>
             <a:r>
-              <a:rPr lang="en-US" altLang="zh-CN" dirty="0" smtClean="0"/>
+              <a:rPr lang="en-US" altLang="zh-CN" dirty="0" smtClean="0">
+                <a:latin typeface="微軟正黑體" pitchFamily="34" charset="-120"/>
+                <a:ea typeface="微軟正黑體" pitchFamily="34" charset="-120"/>
+              </a:rPr>
               <a:t>11</a:t>
             </a:r>
             <a:r>
-              <a:rPr lang="zh-CN" altLang="en-US" dirty="0" smtClean="0"/>
+              <a:rPr lang="zh-CN" altLang="en-US" dirty="0" smtClean="0">
+                <a:latin typeface="微軟正黑體" pitchFamily="34" charset="-120"/>
+                <a:ea typeface="微軟正黑體" pitchFamily="34" charset="-120"/>
+              </a:rPr>
               <a:t>；彼前</a:t>
             </a:r>
             <a:r>
-              <a:rPr lang="en-US" altLang="zh-CN" dirty="0" smtClean="0"/>
+              <a:rPr lang="en-US" altLang="zh-CN" dirty="0" smtClean="0">
+                <a:latin typeface="微軟正黑體" pitchFamily="34" charset="-120"/>
+                <a:ea typeface="微軟正黑體" pitchFamily="34" charset="-120"/>
+              </a:rPr>
               <a:t>3</a:t>
             </a:r>
             <a:r>
-              <a:rPr lang="zh-CN" altLang="en-US" dirty="0" smtClean="0"/>
+              <a:rPr lang="zh-CN" altLang="en-US" dirty="0" smtClean="0">
+                <a:latin typeface="微軟正黑體" pitchFamily="34" charset="-120"/>
+                <a:ea typeface="微軟正黑體" pitchFamily="34" charset="-120"/>
+              </a:rPr>
               <a:t>：</a:t>
             </a:r>
             <a:r>
-              <a:rPr lang="en-US" altLang="zh-CN" dirty="0" smtClean="0"/>
+              <a:rPr lang="en-US" altLang="zh-CN" dirty="0" smtClean="0">
+                <a:latin typeface="微軟正黑體" pitchFamily="34" charset="-120"/>
+                <a:ea typeface="微軟正黑體" pitchFamily="34" charset="-120"/>
+              </a:rPr>
               <a:t>9</a:t>
             </a:r>
             <a:r>
-              <a:rPr lang="zh-CN" altLang="en-US" dirty="0" smtClean="0"/>
+              <a:rPr lang="zh-CN" altLang="en-US" dirty="0" smtClean="0">
+                <a:latin typeface="微軟正黑體" pitchFamily="34" charset="-120"/>
+                <a:ea typeface="微軟正黑體" pitchFamily="34" charset="-120"/>
+              </a:rPr>
               <a:t>；約壹</a:t>
             </a:r>
             <a:r>
-              <a:rPr lang="en-US" altLang="zh-CN" dirty="0" smtClean="0"/>
+              <a:rPr lang="en-US" altLang="zh-CN" dirty="0" smtClean="0">
+                <a:latin typeface="微軟正黑體" pitchFamily="34" charset="-120"/>
+                <a:ea typeface="微軟正黑體" pitchFamily="34" charset="-120"/>
+              </a:rPr>
               <a:t>4</a:t>
             </a:r>
             <a:r>
-              <a:rPr lang="zh-CN" altLang="en-US" dirty="0" smtClean="0"/>
+              <a:rPr lang="zh-CN" altLang="en-US" dirty="0" smtClean="0">
+                <a:latin typeface="微軟正黑體" pitchFamily="34" charset="-120"/>
+                <a:ea typeface="微軟正黑體" pitchFamily="34" charset="-120"/>
+              </a:rPr>
               <a:t>：</a:t>
             </a:r>
             <a:r>
-              <a:rPr lang="en-US" altLang="zh-CN" dirty="0" smtClean="0"/>
+              <a:rPr lang="en-US" altLang="zh-CN" dirty="0" smtClean="0">
+                <a:latin typeface="微軟正黑體" pitchFamily="34" charset="-120"/>
+                <a:ea typeface="微軟正黑體" pitchFamily="34" charset="-120"/>
+              </a:rPr>
               <a:t>12</a:t>
             </a:r>
           </a:p>
@@ -5267,18 +5369,30 @@
           <a:lstStyle/>
           <a:p>
             <a:r>
-              <a:rPr lang="zh-TW" altLang="en-US" sz="6000" dirty="0" smtClean="0"/>
+              <a:rPr lang="zh-TW" altLang="en-US" sz="6000" dirty="0" smtClean="0">
+                <a:latin typeface="微軟正黑體" pitchFamily="34" charset="-120"/>
+                <a:ea typeface="微軟正黑體" pitchFamily="34" charset="-120"/>
+              </a:rPr>
               <a:t>我們應當彼此相愛。這就是你們從起初所聽見的命令。</a:t>
             </a:r>
-            <a:endParaRPr lang="en-US" altLang="zh-TW" sz="6000" dirty="0" smtClean="0"/>
-          </a:p>
-          <a:p>
-            <a:r>
-              <a:rPr lang="zh-TW" altLang="en-US" sz="6000" b="1" dirty="0" smtClean="0"/>
+            <a:endParaRPr lang="en-US" altLang="zh-TW" sz="6000" dirty="0" smtClean="0">
+              <a:latin typeface="微軟正黑體" pitchFamily="34" charset="-120"/>
+              <a:ea typeface="微軟正黑體" pitchFamily="34" charset="-120"/>
+            </a:endParaRPr>
+          </a:p>
+          <a:p>
+            <a:r>
+              <a:rPr lang="zh-TW" altLang="en-US" sz="6000" b="1" dirty="0" smtClean="0">
+                <a:latin typeface="微軟正黑體" pitchFamily="34" charset="-120"/>
+                <a:ea typeface="微軟正黑體" pitchFamily="34" charset="-120"/>
+              </a:rPr>
               <a:t>我們愛，因為神先愛我們。</a:t>
             </a:r>
             <a:r>
-              <a:rPr lang="en-US" altLang="zh-TW" sz="6000" b="1" dirty="0" smtClean="0"/>
+              <a:rPr lang="en-US" altLang="zh-TW" sz="6000" b="1" dirty="0" smtClean="0">
+                <a:latin typeface="微軟正黑體" pitchFamily="34" charset="-120"/>
+                <a:ea typeface="微軟正黑體" pitchFamily="34" charset="-120"/>
+              </a:rPr>
               <a:t> </a:t>
             </a:r>
           </a:p>
@@ -5332,27 +5446,24 @@
           <a:lstStyle/>
           <a:p>
             <a:r>
-              <a:rPr lang="zh-TW" altLang="en-US" sz="6000" dirty="0" smtClean="0"/>
-              <a:t>人</a:t>
-            </a:r>
-            <a:r>
-              <a:rPr lang="zh-TW" altLang="en-US" sz="6000" dirty="0" smtClean="0"/>
-              <a:t>若說「我愛神」，卻恨他的弟兄，就是說謊話的；不愛他所看見的弟兄，就不能愛沒有看見的神</a:t>
-            </a:r>
-            <a:r>
-              <a:rPr lang="zh-TW" altLang="en-US" sz="6000" dirty="0" smtClean="0"/>
-              <a:t>。</a:t>
-            </a:r>
-            <a:endParaRPr lang="en-US" altLang="zh-TW" sz="6000" dirty="0" smtClean="0"/>
-          </a:p>
-          <a:p>
-            <a:r>
-              <a:rPr lang="zh-TW" altLang="en-US" sz="6000" b="1" dirty="0" smtClean="0"/>
-              <a:t>愛神的，也當愛弟兄，這是我們從神所受的</a:t>
-            </a:r>
-            <a:r>
-              <a:rPr lang="zh-TW" altLang="en-US" sz="6000" b="1" dirty="0" smtClean="0"/>
-              <a:t>命令。</a:t>
+              <a:rPr lang="zh-TW" altLang="en-US" sz="6000" dirty="0" smtClean="0">
+                <a:latin typeface="微軟正黑體" pitchFamily="34" charset="-120"/>
+                <a:ea typeface="微軟正黑體" pitchFamily="34" charset="-120"/>
+              </a:rPr>
+              <a:t>人若說「我愛神」，卻恨他的弟兄，就是說謊話的；不愛他所看見的弟兄，就不能愛沒有看見的神。</a:t>
+            </a:r>
+            <a:endParaRPr lang="en-US" altLang="zh-TW" sz="6000" dirty="0" smtClean="0">
+              <a:latin typeface="微軟正黑體" pitchFamily="34" charset="-120"/>
+              <a:ea typeface="微軟正黑體" pitchFamily="34" charset="-120"/>
+            </a:endParaRPr>
+          </a:p>
+          <a:p>
+            <a:r>
+              <a:rPr lang="zh-TW" altLang="en-US" sz="6000" b="1" dirty="0" smtClean="0">
+                <a:latin typeface="微軟正黑體" pitchFamily="34" charset="-120"/>
+                <a:ea typeface="微軟正黑體" pitchFamily="34" charset="-120"/>
+              </a:rPr>
+              <a:t>愛神的，也當愛弟兄，這是我們從神所受的命令。</a:t>
             </a:r>
           </a:p>
         </p:txBody>
@@ -5405,25 +5516,33 @@
           <a:lstStyle/>
           <a:p>
             <a:r>
-              <a:rPr lang="zh-TW" altLang="en-US" sz="6000" dirty="0" smtClean="0"/>
-              <a:t>一切</a:t>
-            </a:r>
-            <a:r>
-              <a:rPr lang="zh-TW" altLang="en-US" sz="6000" dirty="0" smtClean="0"/>
-              <a:t>苦毒、惱恨、忿怒、嚷鬧、毀謗，並一切的惡毒，都當從你們中間除掉；</a:t>
-            </a:r>
-            <a:r>
-              <a:rPr lang="en-US" altLang="zh-TW" sz="6000" dirty="0" smtClean="0"/>
+              <a:rPr lang="zh-TW" altLang="en-US" sz="6000" dirty="0" smtClean="0">
+                <a:latin typeface="微軟正黑體" pitchFamily="34" charset="-120"/>
+                <a:ea typeface="微軟正黑體" pitchFamily="34" charset="-120"/>
+              </a:rPr>
+              <a:t>一切苦毒、惱恨、忿怒、嚷鬧、毀謗，並一切的惡毒，都當從你們中間除掉；</a:t>
+            </a:r>
+            <a:r>
+              <a:rPr lang="en-US" altLang="zh-TW" sz="6000" dirty="0" smtClean="0">
+                <a:latin typeface="微軟正黑體" pitchFamily="34" charset="-120"/>
+                <a:ea typeface="微軟正黑體" pitchFamily="34" charset="-120"/>
+              </a:rPr>
               <a:t> </a:t>
             </a:r>
           </a:p>
           <a:p>
             <a:r>
-              <a:rPr lang="zh-TW" altLang="en-US" sz="6000" b="1" dirty="0" smtClean="0"/>
+              <a:rPr lang="zh-TW" altLang="en-US" sz="6000" b="1" dirty="0" smtClean="0">
+                <a:latin typeface="微軟正黑體" pitchFamily="34" charset="-120"/>
+                <a:ea typeface="微軟正黑體" pitchFamily="34" charset="-120"/>
+              </a:rPr>
               <a:t>並要以恩慈相待，存憐憫的心，彼此饒恕，正如神在基督裡饒恕了你們一樣。</a:t>
             </a:r>
             <a:r>
-              <a:rPr lang="en-US" altLang="zh-TW" sz="6000" b="1" dirty="0" smtClean="0"/>
+              <a:rPr lang="en-US" altLang="zh-TW" sz="6000" b="1" dirty="0" smtClean="0">
+                <a:latin typeface="微軟正黑體" pitchFamily="34" charset="-120"/>
+                <a:ea typeface="微軟正黑體" pitchFamily="34" charset="-120"/>
+              </a:rPr>
               <a:t> </a:t>
             </a:r>
           </a:p>
@@ -5477,20 +5596,32 @@
           <a:lstStyle/>
           <a:p>
             <a:r>
-              <a:rPr lang="zh-TW" altLang="en-US" sz="6000" dirty="0" smtClean="0"/>
+              <a:rPr lang="zh-TW" altLang="en-US" sz="6000" dirty="0" smtClean="0">
+                <a:latin typeface="微軟正黑體" pitchFamily="34" charset="-120"/>
+                <a:ea typeface="微軟正黑體" pitchFamily="34" charset="-120"/>
+              </a:rPr>
               <a:t>所以，你們該效法神，好像蒙慈愛的兒女一樣。</a:t>
             </a:r>
             <a:r>
-              <a:rPr lang="en-US" altLang="zh-TW" sz="6000" dirty="0" smtClean="0"/>
+              <a:rPr lang="en-US" altLang="zh-TW" sz="6000" dirty="0" smtClean="0">
+                <a:latin typeface="微軟正黑體" pitchFamily="34" charset="-120"/>
+                <a:ea typeface="微軟正黑體" pitchFamily="34" charset="-120"/>
+              </a:rPr>
               <a:t> </a:t>
             </a:r>
           </a:p>
           <a:p>
             <a:r>
-              <a:rPr lang="zh-TW" altLang="en-US" sz="6000" b="1" dirty="0" smtClean="0"/>
+              <a:rPr lang="zh-TW" altLang="en-US" sz="6000" b="1" dirty="0" smtClean="0">
+                <a:latin typeface="微軟正黑體" pitchFamily="34" charset="-120"/>
+                <a:ea typeface="微軟正黑體" pitchFamily="34" charset="-120"/>
+              </a:rPr>
               <a:t>也要憑愛心行事，正如基督愛我們，為我們捨了自己，當作馨香的供物和祭物，獻與神。</a:t>
             </a:r>
-            <a:endParaRPr lang="en-US" altLang="zh-TW" sz="6000" b="1" dirty="0" smtClean="0"/>
+            <a:endParaRPr lang="en-US" altLang="zh-TW" sz="6000" b="1" dirty="0" smtClean="0">
+              <a:latin typeface="微軟正黑體" pitchFamily="34" charset="-120"/>
+              <a:ea typeface="微軟正黑體" pitchFamily="34" charset="-120"/>
+            </a:endParaRPr>
           </a:p>
         </p:txBody>
       </p:sp>
@@ -5542,17 +5673,29 @@
           <a:lstStyle/>
           <a:p>
             <a:r>
-              <a:rPr lang="zh-TW" altLang="en-US" sz="6000" dirty="0" smtClean="0"/>
+              <a:rPr lang="zh-TW" altLang="en-US" sz="6000" dirty="0" smtClean="0">
+                <a:latin typeface="微軟正黑體" pitchFamily="34" charset="-120"/>
+                <a:ea typeface="微軟正黑體" pitchFamily="34" charset="-120"/>
+              </a:rPr>
               <a:t>主為我們捨命，我們從此就知道何為愛；我們也當為弟兄捨命。</a:t>
             </a:r>
-            <a:endParaRPr lang="en-US" altLang="zh-TW" sz="6000" dirty="0" smtClean="0"/>
-          </a:p>
-          <a:p>
-            <a:r>
-              <a:rPr lang="zh-TW" altLang="en-US" sz="6000" b="1" dirty="0" smtClean="0"/>
+            <a:endParaRPr lang="en-US" altLang="zh-TW" sz="6000" dirty="0" smtClean="0">
+              <a:latin typeface="微軟正黑體" pitchFamily="34" charset="-120"/>
+              <a:ea typeface="微軟正黑體" pitchFamily="34" charset="-120"/>
+            </a:endParaRPr>
+          </a:p>
+          <a:p>
+            <a:r>
+              <a:rPr lang="zh-TW" altLang="en-US" sz="6000" b="1" dirty="0" smtClean="0">
+                <a:latin typeface="微軟正黑體" pitchFamily="34" charset="-120"/>
+                <a:ea typeface="微軟正黑體" pitchFamily="34" charset="-120"/>
+              </a:rPr>
               <a:t>親愛的弟兄啊，神既是這樣愛我們，我們也當彼此相愛。</a:t>
             </a:r>
-            <a:endParaRPr lang="en-US" altLang="zh-TW" sz="6000" b="1" dirty="0" smtClean="0"/>
+            <a:endParaRPr lang="en-US" altLang="zh-TW" sz="6000" b="1" dirty="0" smtClean="0">
+              <a:latin typeface="微軟正黑體" pitchFamily="34" charset="-120"/>
+              <a:ea typeface="微軟正黑體" pitchFamily="34" charset="-120"/>
+            </a:endParaRPr>
           </a:p>
         </p:txBody>
       </p:sp>
@@ -5604,14 +5747,23 @@
           <a:lstStyle/>
           <a:p>
             <a:r>
-              <a:rPr lang="zh-TW" altLang="en-US" sz="6000" dirty="0" smtClean="0"/>
+              <a:rPr lang="zh-TW" altLang="en-US" sz="6000" dirty="0" smtClean="0">
+                <a:latin typeface="微軟正黑體" pitchFamily="34" charset="-120"/>
+                <a:ea typeface="微軟正黑體" pitchFamily="34" charset="-120"/>
+              </a:rPr>
               <a:t>不以惡報惡，以辱罵還辱罵，倒要祝福；因你們是為此蒙召，好叫你們承受福氣。</a:t>
             </a:r>
             <a:r>
-              <a:rPr lang="en-US" altLang="zh-TW" sz="6000" b="1" dirty="0" smtClean="0"/>
+              <a:rPr lang="en-US" altLang="zh-TW" sz="6000" b="1" dirty="0" smtClean="0">
+                <a:latin typeface="微軟正黑體" pitchFamily="34" charset="-120"/>
+                <a:ea typeface="微軟正黑體" pitchFamily="34" charset="-120"/>
+              </a:rPr>
               <a:t> </a:t>
             </a:r>
-            <a:endParaRPr lang="en-US" altLang="zh-TW" sz="6000" dirty="0" smtClean="0"/>
+            <a:endParaRPr lang="en-US" altLang="zh-TW" sz="6000" dirty="0" smtClean="0">
+              <a:latin typeface="微軟正黑體" pitchFamily="34" charset="-120"/>
+              <a:ea typeface="微軟正黑體" pitchFamily="34" charset="-120"/>
+            </a:endParaRPr>
           </a:p>
         </p:txBody>
       </p:sp>
@@ -5663,14 +5815,16 @@
           <a:lstStyle/>
           <a:p>
             <a:r>
-              <a:rPr lang="zh-TW" altLang="en-US" sz="6000" b="1" dirty="0" smtClean="0"/>
-              <a:t>從來</a:t>
-            </a:r>
-            <a:r>
-              <a:rPr lang="zh-TW" altLang="en-US" sz="6000" b="1" dirty="0" smtClean="0"/>
-              <a:t>沒有人見過神，我們若彼此相愛，神就住在我們裡面，愛他的心在我們裡面得以完全了。</a:t>
-            </a:r>
-            <a:endParaRPr lang="en-US" altLang="zh-TW" sz="6000" b="1" dirty="0" smtClean="0"/>
+              <a:rPr lang="zh-TW" altLang="en-US" sz="6000" b="1" dirty="0" smtClean="0">
+                <a:latin typeface="微軟正黑體" pitchFamily="34" charset="-120"/>
+                <a:ea typeface="微軟正黑體" pitchFamily="34" charset="-120"/>
+              </a:rPr>
+              <a:t>從來沒有人見過神，我們若彼此相愛，神就住在我們裡面，愛他的心在我們裡面得以完全了。</a:t>
+            </a:r>
+            <a:endParaRPr lang="en-US" altLang="zh-TW" sz="6000" b="1" dirty="0" smtClean="0">
+              <a:latin typeface="微軟正黑體" pitchFamily="34" charset="-120"/>
+              <a:ea typeface="微軟正黑體" pitchFamily="34" charset="-120"/>
+            </a:endParaRPr>
           </a:p>
         </p:txBody>
       </p:sp>

--- a/75彼此相愛.pptx
+++ b/75彼此相愛.pptx
@@ -12,9 +12,8 @@
     <p:sldId id="259" r:id="rId6"/>
     <p:sldId id="260" r:id="rId7"/>
     <p:sldId id="261" r:id="rId8"/>
-    <p:sldId id="263" r:id="rId9"/>
   </p:sldIdLst>
-  <p:sldSz cx="9144000" cy="6858000" type="screen4x3"/>
+  <p:sldSz cx="9144000" cy="5143500" type="screen16x9"/>
   <p:notesSz cx="6858000" cy="9144000"/>
   <p:defaultTextStyle>
     <a:defPPr>
@@ -148,8 +147,8 @@
         </p:nvSpPr>
         <p:spPr>
           <a:xfrm>
-            <a:off x="2286000" y="3124200"/>
-            <a:ext cx="6172200" cy="1894362"/>
+            <a:off x="2286000" y="2343150"/>
+            <a:ext cx="6172200" cy="1420772"/>
           </a:xfrm>
         </p:spPr>
         <p:txBody>
@@ -180,8 +179,8 @@
         </p:nvSpPr>
         <p:spPr>
           <a:xfrm>
-            <a:off x="2286000" y="5003322"/>
-            <a:ext cx="6172200" cy="1371600"/>
+            <a:off x="2286000" y="3752492"/>
+            <a:ext cx="6172200" cy="1028700"/>
           </a:xfrm>
         </p:spPr>
         <p:txBody>
@@ -241,8 +240,8 @@
         </p:nvSpPr>
         <p:spPr bwMode="auto">
           <a:xfrm rot="5400000">
-            <a:off x="7764621" y="1174097"/>
-            <a:ext cx="2286000" cy="381000"/>
+            <a:off x="8050371" y="832948"/>
+            <a:ext cx="1714500" cy="381000"/>
           </a:xfrm>
         </p:spPr>
         <p:txBody>
@@ -252,7 +251,7 @@
             <a:fld id="{74BC4726-2204-402F-8651-3DE2807316DF}" type="datetimeFigureOut">
               <a:rPr lang="en-US" smtClean="0"/>
               <a:pPr/>
-              <a:t>3/30/2019</a:t>
+              <a:t>7/27/2019</a:t>
             </a:fld>
             <a:endParaRPr lang="en-US"/>
           </a:p>
@@ -270,8 +269,8 @@
         </p:nvSpPr>
         <p:spPr bwMode="auto">
           <a:xfrm rot="5400000">
-            <a:off x="7077269" y="4181669"/>
-            <a:ext cx="3657600" cy="384048"/>
+            <a:off x="7534469" y="3088246"/>
+            <a:ext cx="2743200" cy="384048"/>
           </a:xfrm>
         </p:spPr>
         <p:txBody>
@@ -291,7 +290,7 @@
         <p:spPr bwMode="auto">
           <a:xfrm>
             <a:off x="381000" y="0"/>
-            <a:ext cx="609600" cy="6858000"/>
+            <a:ext cx="609600" cy="5143500"/>
           </a:xfrm>
           <a:prstGeom prst="rect">
             <a:avLst/>
@@ -340,7 +339,7 @@
         <p:spPr bwMode="auto">
           <a:xfrm>
             <a:off x="276336" y="0"/>
-            <a:ext cx="104664" cy="6858000"/>
+            <a:ext cx="104664" cy="5143500"/>
           </a:xfrm>
           <a:prstGeom prst="rect">
             <a:avLst/>
@@ -389,7 +388,7 @@
         <p:spPr bwMode="auto">
           <a:xfrm>
             <a:off x="990600" y="0"/>
-            <a:ext cx="181872" cy="6858000"/>
+            <a:ext cx="181872" cy="5143500"/>
           </a:xfrm>
           <a:prstGeom prst="rect">
             <a:avLst/>
@@ -438,7 +437,7 @@
         <p:spPr bwMode="auto">
           <a:xfrm>
             <a:off x="1141320" y="0"/>
-            <a:ext cx="230280" cy="6858000"/>
+            <a:ext cx="230280" cy="5143500"/>
           </a:xfrm>
           <a:prstGeom prst="rect">
             <a:avLst/>
@@ -489,7 +488,7 @@
         <p:spPr bwMode="auto">
           <a:xfrm>
             <a:off x="106344" y="0"/>
-            <a:ext cx="0" cy="6858000"/>
+            <a:ext cx="0" cy="5143500"/>
           </a:xfrm>
           <a:prstGeom prst="line">
             <a:avLst/>
@@ -528,7 +527,7 @@
         <p:spPr bwMode="auto">
           <a:xfrm>
             <a:off x="914400" y="0"/>
-            <a:ext cx="0" cy="6858000"/>
+            <a:ext cx="0" cy="5143500"/>
           </a:xfrm>
           <a:prstGeom prst="line">
             <a:avLst/>
@@ -567,7 +566,7 @@
         <p:spPr bwMode="auto">
           <a:xfrm>
             <a:off x="854112" y="0"/>
-            <a:ext cx="0" cy="6858000"/>
+            <a:ext cx="0" cy="5143500"/>
           </a:xfrm>
           <a:prstGeom prst="line">
             <a:avLst/>
@@ -605,7 +604,7 @@
         <p:spPr bwMode="auto">
           <a:xfrm>
             <a:off x="1726640" y="0"/>
-            <a:ext cx="0" cy="6858000"/>
+            <a:ext cx="0" cy="5143500"/>
           </a:xfrm>
           <a:prstGeom prst="line">
             <a:avLst/>
@@ -644,7 +643,7 @@
         <p:spPr bwMode="auto">
           <a:xfrm>
             <a:off x="1066800" y="0"/>
-            <a:ext cx="0" cy="6858000"/>
+            <a:ext cx="0" cy="5143500"/>
           </a:xfrm>
           <a:prstGeom prst="line">
             <a:avLst/>
@@ -682,7 +681,7 @@
         <p:spPr bwMode="auto">
           <a:xfrm>
             <a:off x="9113856" y="0"/>
-            <a:ext cx="0" cy="6858000"/>
+            <a:ext cx="0" cy="5143500"/>
           </a:xfrm>
           <a:prstGeom prst="line">
             <a:avLst/>
@@ -718,7 +717,7 @@
         <p:spPr bwMode="auto">
           <a:xfrm>
             <a:off x="1219200" y="0"/>
-            <a:ext cx="76200" cy="6858000"/>
+            <a:ext cx="76200" cy="5143500"/>
           </a:xfrm>
           <a:prstGeom prst="rect">
             <a:avLst/>
@@ -766,8 +765,8 @@
         </p:nvSpPr>
         <p:spPr bwMode="auto">
           <a:xfrm>
-            <a:off x="609600" y="3429000"/>
-            <a:ext cx="1295400" cy="1295400"/>
+            <a:off x="609600" y="2571750"/>
+            <a:ext cx="1295400" cy="971550"/>
           </a:xfrm>
           <a:prstGeom prst="ellipse">
             <a:avLst/>
@@ -812,8 +811,8 @@
         </p:nvSpPr>
         <p:spPr bwMode="auto">
           <a:xfrm>
-            <a:off x="1309632" y="4866752"/>
-            <a:ext cx="641424" cy="641424"/>
+            <a:off x="1309632" y="3650064"/>
+            <a:ext cx="641424" cy="481068"/>
           </a:xfrm>
           <a:prstGeom prst="ellipse">
             <a:avLst/>
@@ -855,8 +854,8 @@
         </p:nvSpPr>
         <p:spPr bwMode="auto">
           <a:xfrm>
-            <a:off x="1091080" y="5500632"/>
-            <a:ext cx="137160" cy="137160"/>
+            <a:off x="1091080" y="4125474"/>
+            <a:ext cx="137160" cy="102870"/>
           </a:xfrm>
           <a:prstGeom prst="ellipse">
             <a:avLst/>
@@ -898,8 +897,8 @@
         </p:nvSpPr>
         <p:spPr bwMode="auto">
           <a:xfrm>
-            <a:off x="1664208" y="5788152"/>
-            <a:ext cx="274320" cy="274320"/>
+            <a:off x="1664208" y="4341114"/>
+            <a:ext cx="274320" cy="205740"/>
           </a:xfrm>
           <a:prstGeom prst="ellipse">
             <a:avLst/>
@@ -941,8 +940,8 @@
         </p:nvSpPr>
         <p:spPr>
           <a:xfrm>
-            <a:off x="1905000" y="4495800"/>
-            <a:ext cx="365760" cy="365760"/>
+            <a:off x="1905000" y="3371850"/>
+            <a:ext cx="365760" cy="274320"/>
           </a:xfrm>
           <a:prstGeom prst="ellipse">
             <a:avLst/>
@@ -988,8 +987,8 @@
         </p:nvSpPr>
         <p:spPr bwMode="auto">
           <a:xfrm>
-            <a:off x="1325544" y="4928702"/>
-            <a:ext cx="609600" cy="517524"/>
+            <a:off x="1325544" y="3696527"/>
+            <a:ext cx="609600" cy="388143"/>
           </a:xfrm>
         </p:spPr>
         <p:txBody>
@@ -1123,7 +1122,7 @@
             <a:fld id="{74BC4726-2204-402F-8651-3DE2807316DF}" type="datetimeFigureOut">
               <a:rPr lang="en-US" smtClean="0"/>
               <a:pPr/>
-              <a:t>3/30/2019</a:t>
+              <a:t>7/27/2019</a:t>
             </a:fld>
             <a:endParaRPr lang="en-US"/>
           </a:p>
@@ -1209,8 +1208,8 @@
         </p:nvSpPr>
         <p:spPr>
           <a:xfrm>
-            <a:off x="6629400" y="274639"/>
-            <a:ext cx="1676400" cy="5851525"/>
+            <a:off x="6629400" y="205980"/>
+            <a:ext cx="1676400" cy="4388644"/>
           </a:xfrm>
         </p:spPr>
         <p:txBody>
@@ -1237,8 +1236,8 @@
         </p:nvSpPr>
         <p:spPr>
           <a:xfrm>
-            <a:off x="457200" y="274638"/>
-            <a:ext cx="6019800" cy="5851525"/>
+            <a:off x="457200" y="205979"/>
+            <a:ext cx="6019800" cy="4388644"/>
           </a:xfrm>
         </p:spPr>
         <p:txBody>
@@ -1300,7 +1299,7 @@
             <a:fld id="{74BC4726-2204-402F-8651-3DE2807316DF}" type="datetimeFigureOut">
               <a:rPr lang="en-US" smtClean="0"/>
               <a:pPr/>
-              <a:t>3/30/2019</a:t>
+              <a:t>7/27/2019</a:t>
             </a:fld>
             <a:endParaRPr lang="en-US"/>
           </a:p>
@@ -1409,8 +1408,8 @@
         </p:nvSpPr>
         <p:spPr>
           <a:xfrm>
-            <a:off x="457200" y="1600200"/>
-            <a:ext cx="7467600" cy="4873752"/>
+            <a:off x="457200" y="1200150"/>
+            <a:ext cx="7467600" cy="3655314"/>
           </a:xfrm>
         </p:spPr>
         <p:txBody>
@@ -1472,7 +1471,7 @@
             <a:fld id="{74BC4726-2204-402F-8651-3DE2807316DF}" type="datetimeFigureOut">
               <a:rPr lang="en-US" smtClean="0"/>
               <a:pPr/>
-              <a:t>3/30/2019</a:t>
+              <a:t>7/27/2019</a:t>
             </a:fld>
             <a:endParaRPr lang="en-US"/>
           </a:p>
@@ -1563,8 +1562,8 @@
         </p:nvSpPr>
         <p:spPr>
           <a:xfrm>
-            <a:off x="2286000" y="2895600"/>
-            <a:ext cx="6172200" cy="2053590"/>
+            <a:off x="2286000" y="2171700"/>
+            <a:ext cx="6172200" cy="1540193"/>
           </a:xfrm>
         </p:spPr>
         <p:txBody>
@@ -1596,8 +1595,8 @@
         </p:nvSpPr>
         <p:spPr>
           <a:xfrm>
-            <a:off x="2286000" y="5010150"/>
-            <a:ext cx="6172200" cy="1371600"/>
+            <a:off x="2286000" y="3757613"/>
+            <a:ext cx="6172200" cy="1028700"/>
           </a:xfrm>
         </p:spPr>
         <p:txBody>
@@ -1673,8 +1672,8 @@
         </p:nvSpPr>
         <p:spPr bwMode="auto">
           <a:xfrm rot="5400000">
-            <a:off x="7763256" y="1170432"/>
-            <a:ext cx="2286000" cy="381000"/>
+            <a:off x="8049006" y="830199"/>
+            <a:ext cx="1714500" cy="381000"/>
           </a:xfrm>
         </p:spPr>
         <p:txBody>
@@ -1684,7 +1683,7 @@
             <a:fld id="{74BC4726-2204-402F-8651-3DE2807316DF}" type="datetimeFigureOut">
               <a:rPr lang="en-US" smtClean="0"/>
               <a:pPr/>
-              <a:t>3/30/2019</a:t>
+              <a:t>7/27/2019</a:t>
             </a:fld>
             <a:endParaRPr lang="en-US"/>
           </a:p>
@@ -1702,8 +1701,8 @@
         </p:nvSpPr>
         <p:spPr bwMode="auto">
           <a:xfrm rot="5400000">
-            <a:off x="7077456" y="4178808"/>
-            <a:ext cx="3657600" cy="384048"/>
+            <a:off x="7534656" y="3086100"/>
+            <a:ext cx="2743200" cy="384048"/>
           </a:xfrm>
         </p:spPr>
         <p:txBody>
@@ -1723,7 +1722,7 @@
         <p:spPr bwMode="auto">
           <a:xfrm>
             <a:off x="381000" y="0"/>
-            <a:ext cx="609600" cy="6858000"/>
+            <a:ext cx="609600" cy="5143500"/>
           </a:xfrm>
           <a:prstGeom prst="rect">
             <a:avLst/>
@@ -1772,7 +1771,7 @@
         <p:spPr bwMode="auto">
           <a:xfrm>
             <a:off x="276336" y="0"/>
-            <a:ext cx="104664" cy="6858000"/>
+            <a:ext cx="104664" cy="5143500"/>
           </a:xfrm>
           <a:prstGeom prst="rect">
             <a:avLst/>
@@ -1821,7 +1820,7 @@
         <p:spPr bwMode="auto">
           <a:xfrm>
             <a:off x="990600" y="0"/>
-            <a:ext cx="181872" cy="6858000"/>
+            <a:ext cx="181872" cy="5143500"/>
           </a:xfrm>
           <a:prstGeom prst="rect">
             <a:avLst/>
@@ -1870,7 +1869,7 @@
         <p:spPr bwMode="auto">
           <a:xfrm>
             <a:off x="1141320" y="0"/>
-            <a:ext cx="230280" cy="6858000"/>
+            <a:ext cx="230280" cy="5143500"/>
           </a:xfrm>
           <a:prstGeom prst="rect">
             <a:avLst/>
@@ -1921,7 +1920,7 @@
         <p:spPr bwMode="auto">
           <a:xfrm>
             <a:off x="106344" y="0"/>
-            <a:ext cx="0" cy="6858000"/>
+            <a:ext cx="0" cy="5143500"/>
           </a:xfrm>
           <a:prstGeom prst="line">
             <a:avLst/>
@@ -1960,7 +1959,7 @@
         <p:spPr bwMode="auto">
           <a:xfrm>
             <a:off x="914400" y="0"/>
-            <a:ext cx="0" cy="6858000"/>
+            <a:ext cx="0" cy="5143500"/>
           </a:xfrm>
           <a:prstGeom prst="line">
             <a:avLst/>
@@ -1999,7 +1998,7 @@
         <p:spPr bwMode="auto">
           <a:xfrm>
             <a:off x="854112" y="0"/>
-            <a:ext cx="0" cy="6858000"/>
+            <a:ext cx="0" cy="5143500"/>
           </a:xfrm>
           <a:prstGeom prst="line">
             <a:avLst/>
@@ -2037,7 +2036,7 @@
         <p:spPr bwMode="auto">
           <a:xfrm>
             <a:off x="1726640" y="0"/>
-            <a:ext cx="0" cy="6858000"/>
+            <a:ext cx="0" cy="5143500"/>
           </a:xfrm>
           <a:prstGeom prst="line">
             <a:avLst/>
@@ -2076,7 +2075,7 @@
         <p:spPr bwMode="auto">
           <a:xfrm>
             <a:off x="1066800" y="0"/>
-            <a:ext cx="0" cy="6858000"/>
+            <a:ext cx="0" cy="5143500"/>
           </a:xfrm>
           <a:prstGeom prst="line">
             <a:avLst/>
@@ -2112,7 +2111,7 @@
         <p:spPr bwMode="auto">
           <a:xfrm>
             <a:off x="1219200" y="0"/>
-            <a:ext cx="76200" cy="6858000"/>
+            <a:ext cx="76200" cy="5143500"/>
           </a:xfrm>
           <a:prstGeom prst="rect">
             <a:avLst/>
@@ -2160,8 +2159,8 @@
         </p:nvSpPr>
         <p:spPr bwMode="auto">
           <a:xfrm>
-            <a:off x="609600" y="3429000"/>
-            <a:ext cx="1295400" cy="1295400"/>
+            <a:off x="609600" y="2571750"/>
+            <a:ext cx="1295400" cy="971550"/>
           </a:xfrm>
           <a:prstGeom prst="ellipse">
             <a:avLst/>
@@ -2203,8 +2202,8 @@
         </p:nvSpPr>
         <p:spPr bwMode="auto">
           <a:xfrm>
-            <a:off x="1324704" y="4866752"/>
-            <a:ext cx="641424" cy="641424"/>
+            <a:off x="1324704" y="3650064"/>
+            <a:ext cx="641424" cy="481068"/>
           </a:xfrm>
           <a:prstGeom prst="ellipse">
             <a:avLst/>
@@ -2246,8 +2245,8 @@
         </p:nvSpPr>
         <p:spPr bwMode="auto">
           <a:xfrm>
-            <a:off x="1091080" y="5500632"/>
-            <a:ext cx="137160" cy="137160"/>
+            <a:off x="1091080" y="4125474"/>
+            <a:ext cx="137160" cy="102870"/>
           </a:xfrm>
           <a:prstGeom prst="ellipse">
             <a:avLst/>
@@ -2289,8 +2288,8 @@
         </p:nvSpPr>
         <p:spPr bwMode="auto">
           <a:xfrm>
-            <a:off x="1664208" y="5791200"/>
-            <a:ext cx="274320" cy="274320"/>
+            <a:off x="1664208" y="4343400"/>
+            <a:ext cx="274320" cy="205740"/>
           </a:xfrm>
           <a:prstGeom prst="ellipse">
             <a:avLst/>
@@ -2332,8 +2331,8 @@
         </p:nvSpPr>
         <p:spPr bwMode="auto">
           <a:xfrm>
-            <a:off x="1879040" y="4479888"/>
-            <a:ext cx="365760" cy="365760"/>
+            <a:off x="1879040" y="3359916"/>
+            <a:ext cx="365760" cy="274320"/>
           </a:xfrm>
           <a:prstGeom prst="ellipse">
             <a:avLst/>
@@ -2378,7 +2377,7 @@
         <p:spPr bwMode="auto">
           <a:xfrm>
             <a:off x="9097944" y="0"/>
-            <a:ext cx="0" cy="6858000"/>
+            <a:ext cx="0" cy="5143500"/>
           </a:xfrm>
           <a:prstGeom prst="line">
             <a:avLst/>
@@ -2417,8 +2416,8 @@
         </p:nvSpPr>
         <p:spPr bwMode="auto">
           <a:xfrm>
-            <a:off x="1340616" y="4928702"/>
-            <a:ext cx="609600" cy="517524"/>
+            <a:off x="1340616" y="3696527"/>
+            <a:ext cx="609600" cy="388143"/>
           </a:xfrm>
         </p:spPr>
         <p:txBody>
@@ -2500,7 +2499,7 @@
             <a:fld id="{74BC4726-2204-402F-8651-3DE2807316DF}" type="datetimeFigureOut">
               <a:rPr lang="en-US" smtClean="0"/>
               <a:pPr/>
-              <a:t>3/30/2019</a:t>
+              <a:t>7/27/2019</a:t>
             </a:fld>
             <a:endParaRPr lang="en-US"/>
           </a:p>
@@ -2561,8 +2560,8 @@
         </p:nvSpPr>
         <p:spPr>
           <a:xfrm>
-            <a:off x="457200" y="1600200"/>
-            <a:ext cx="3657600" cy="4572000"/>
+            <a:off x="457200" y="1200150"/>
+            <a:ext cx="3657600" cy="3429000"/>
           </a:xfrm>
         </p:spPr>
         <p:txBody>
@@ -2618,8 +2617,8 @@
         </p:nvSpPr>
         <p:spPr>
           <a:xfrm>
-            <a:off x="4270248" y="1600200"/>
-            <a:ext cx="3657600" cy="4572000"/>
+            <a:off x="4270248" y="1200150"/>
+            <a:ext cx="3657600" cy="3429000"/>
           </a:xfrm>
         </p:spPr>
         <p:txBody>
@@ -2700,8 +2699,8 @@
         </p:nvSpPr>
         <p:spPr>
           <a:xfrm>
-            <a:off x="457200" y="273050"/>
-            <a:ext cx="7543800" cy="1143000"/>
+            <a:off x="457200" y="204788"/>
+            <a:ext cx="7543800" cy="857250"/>
           </a:xfrm>
         </p:spPr>
         <p:txBody>
@@ -2738,7 +2737,7 @@
             <a:fld id="{74BC4726-2204-402F-8651-3DE2807316DF}" type="datetimeFigureOut">
               <a:rPr lang="en-US" smtClean="0"/>
               <a:pPr/>
-              <a:t>3/30/2019</a:t>
+              <a:t>7/27/2019</a:t>
             </a:fld>
             <a:endParaRPr lang="en-US"/>
           </a:p>
@@ -2799,8 +2798,8 @@
         </p:nvSpPr>
         <p:spPr>
           <a:xfrm>
-            <a:off x="457200" y="2362200"/>
-            <a:ext cx="3657600" cy="3886200"/>
+            <a:off x="457200" y="1771650"/>
+            <a:ext cx="3657600" cy="2914650"/>
           </a:xfrm>
         </p:spPr>
         <p:txBody>
@@ -2856,8 +2855,8 @@
         </p:nvSpPr>
         <p:spPr>
           <a:xfrm>
-            <a:off x="4371975" y="2362200"/>
-            <a:ext cx="3657600" cy="3886200"/>
+            <a:off x="4371975" y="1771650"/>
+            <a:ext cx="3657600" cy="2914650"/>
           </a:xfrm>
         </p:spPr>
         <p:txBody>
@@ -2913,8 +2912,8 @@
         </p:nvSpPr>
         <p:spPr>
           <a:xfrm>
-            <a:off x="457200" y="1569720"/>
-            <a:ext cx="3657600" cy="658368"/>
+            <a:off x="457200" y="1177290"/>
+            <a:ext cx="3657600" cy="493776"/>
           </a:xfrm>
           <a:prstGeom prst="roundRect">
             <a:avLst>
@@ -2961,8 +2960,8 @@
         </p:nvSpPr>
         <p:spPr>
           <a:xfrm>
-            <a:off x="4343400" y="1569720"/>
-            <a:ext cx="3657600" cy="658368"/>
+            <a:off x="4343400" y="1177290"/>
+            <a:ext cx="3657600" cy="493776"/>
           </a:xfrm>
           <a:prstGeom prst="roundRect">
             <a:avLst>
@@ -3063,7 +3062,7 @@
             <a:fld id="{74BC4726-2204-402F-8651-3DE2807316DF}" type="datetimeFigureOut">
               <a:rPr lang="en-US" smtClean="0"/>
               <a:pPr/>
-              <a:t>3/30/2019</a:t>
+              <a:t>7/27/2019</a:t>
             </a:fld>
             <a:endParaRPr lang="en-US"/>
           </a:p>
@@ -3155,7 +3154,7 @@
             <a:fld id="{74BC4726-2204-402F-8651-3DE2807316DF}" type="datetimeFigureOut">
               <a:rPr lang="en-US" smtClean="0"/>
               <a:pPr/>
-              <a:t>3/30/2019</a:t>
+              <a:t>7/27/2019</a:t>
             </a:fld>
             <a:endParaRPr lang="en-US"/>
           </a:p>
@@ -3245,7 +3244,7 @@
         <p:spPr bwMode="auto">
           <a:xfrm>
             <a:off x="8763000" y="0"/>
-            <a:ext cx="0" cy="6858000"/>
+            <a:ext cx="0" cy="5143500"/>
           </a:xfrm>
           <a:prstGeom prst="line">
             <a:avLst/>
@@ -3285,8 +3284,8 @@
         </p:nvSpPr>
         <p:spPr>
           <a:xfrm rot="5400000">
-            <a:off x="3371850" y="3200400"/>
-            <a:ext cx="6309360" cy="457200"/>
+            <a:off x="4160520" y="2343150"/>
+            <a:ext cx="4732020" cy="457200"/>
           </a:xfrm>
         </p:spPr>
         <p:txBody>
@@ -3318,8 +3317,8 @@
         </p:nvSpPr>
         <p:spPr>
           <a:xfrm>
-            <a:off x="6812280" y="274320"/>
-            <a:ext cx="1527048" cy="4983480"/>
+            <a:off x="6812280" y="205740"/>
+            <a:ext cx="1527048" cy="3737610"/>
           </a:xfrm>
         </p:spPr>
         <p:txBody>
@@ -3372,7 +3371,7 @@
         <p:spPr bwMode="auto">
           <a:xfrm>
             <a:off x="6248400" y="0"/>
-            <a:ext cx="0" cy="6858000"/>
+            <a:ext cx="0" cy="5143500"/>
           </a:xfrm>
           <a:prstGeom prst="line">
             <a:avLst/>
@@ -3410,7 +3409,7 @@
         <p:spPr bwMode="auto">
           <a:xfrm>
             <a:off x="6192296" y="0"/>
-            <a:ext cx="0" cy="6858000"/>
+            <a:ext cx="0" cy="5143500"/>
           </a:xfrm>
           <a:prstGeom prst="line">
             <a:avLst/>
@@ -3446,7 +3445,7 @@
         <p:spPr bwMode="auto">
           <a:xfrm>
             <a:off x="8991600" y="0"/>
-            <a:ext cx="0" cy="6858000"/>
+            <a:ext cx="0" cy="5143500"/>
           </a:xfrm>
           <a:prstGeom prst="line">
             <a:avLst/>
@@ -3480,7 +3479,7 @@
         <p:spPr bwMode="auto">
           <a:xfrm>
             <a:off x="8839200" y="0"/>
-            <a:ext cx="304800" cy="6858000"/>
+            <a:ext cx="304800" cy="5143500"/>
           </a:xfrm>
           <a:prstGeom prst="rect">
             <a:avLst/>
@@ -3531,7 +3530,7 @@
         <p:spPr bwMode="auto">
           <a:xfrm>
             <a:off x="8915400" y="0"/>
-            <a:ext cx="0" cy="6858000"/>
+            <a:ext cx="0" cy="5143500"/>
           </a:xfrm>
           <a:prstGeom prst="line">
             <a:avLst/>
@@ -3564,8 +3563,8 @@
         </p:nvSpPr>
         <p:spPr>
           <a:xfrm>
-            <a:off x="8156448" y="5715000"/>
-            <a:ext cx="548640" cy="548640"/>
+            <a:off x="8156448" y="4286250"/>
+            <a:ext cx="548640" cy="411480"/>
           </a:xfrm>
           <a:prstGeom prst="ellipse">
             <a:avLst/>
@@ -3611,8 +3610,8 @@
         </p:nvSpPr>
         <p:spPr>
           <a:xfrm>
-            <a:off x="304800" y="274320"/>
-            <a:ext cx="5638800" cy="6327648"/>
+            <a:off x="304800" y="205740"/>
+            <a:ext cx="5638800" cy="4745736"/>
           </a:xfrm>
         </p:spPr>
         <p:txBody>
@@ -3674,7 +3673,7 @@
             <a:fld id="{74BC4726-2204-402F-8651-3DE2807316DF}" type="datetimeFigureOut">
               <a:rPr lang="en-US" smtClean="0"/>
               <a:pPr/>
-              <a:t>3/30/2019</a:t>
+              <a:t>7/27/2019</a:t>
             </a:fld>
             <a:endParaRPr lang="en-US"/>
           </a:p>
@@ -3759,7 +3758,7 @@
         <p:spPr bwMode="auto">
           <a:xfrm>
             <a:off x="8763000" y="0"/>
-            <a:ext cx="0" cy="6858000"/>
+            <a:ext cx="0" cy="5143500"/>
           </a:xfrm>
           <a:prstGeom prst="line">
             <a:avLst/>
@@ -3794,8 +3793,8 @@
         </p:nvSpPr>
         <p:spPr>
           <a:xfrm>
-            <a:off x="8156448" y="5715000"/>
-            <a:ext cx="548640" cy="548640"/>
+            <a:off x="8156448" y="4286250"/>
+            <a:ext cx="548640" cy="411480"/>
           </a:xfrm>
           <a:prstGeom prst="ellipse">
             <a:avLst/>
@@ -3841,8 +3840,8 @@
         </p:nvSpPr>
         <p:spPr>
           <a:xfrm rot="5400000">
-            <a:off x="3350133" y="3200400"/>
-            <a:ext cx="6309360" cy="457200"/>
+            <a:off x="4138803" y="2343150"/>
+            <a:ext cx="4732020" cy="457200"/>
           </a:xfrm>
         </p:spPr>
         <p:txBody>
@@ -3875,7 +3874,7 @@
         <p:spPr>
           <a:xfrm>
             <a:off x="0" y="0"/>
-            <a:ext cx="6172200" cy="6858000"/>
+            <a:ext cx="6172200" cy="5143500"/>
           </a:xfrm>
           <a:solidFill>
             <a:schemeClr val="bg2"/>
@@ -3933,8 +3932,8 @@
         </p:nvSpPr>
         <p:spPr>
           <a:xfrm>
-            <a:off x="6765798" y="264795"/>
-            <a:ext cx="1524000" cy="4956048"/>
+            <a:off x="6765798" y="198596"/>
+            <a:ext cx="1524000" cy="3717036"/>
           </a:xfrm>
         </p:spPr>
         <p:txBody>
@@ -3986,7 +3985,7 @@
         <p:spPr bwMode="auto">
           <a:xfrm>
             <a:off x="8991600" y="0"/>
-            <a:ext cx="0" cy="6858000"/>
+            <a:ext cx="0" cy="5143500"/>
           </a:xfrm>
           <a:prstGeom prst="line">
             <a:avLst/>
@@ -4020,7 +4019,7 @@
         <p:spPr bwMode="auto">
           <a:xfrm>
             <a:off x="8839200" y="0"/>
-            <a:ext cx="304800" cy="6858000"/>
+            <a:ext cx="304800" cy="5143500"/>
           </a:xfrm>
           <a:prstGeom prst="rect">
             <a:avLst/>
@@ -4070,7 +4069,7 @@
         <p:spPr bwMode="auto">
           <a:xfrm>
             <a:off x="8915400" y="0"/>
-            <a:ext cx="0" cy="6858000"/>
+            <a:ext cx="0" cy="5143500"/>
           </a:xfrm>
           <a:prstGeom prst="line">
             <a:avLst/>
@@ -4106,7 +4105,7 @@
         <p:spPr bwMode="auto">
           <a:xfrm>
             <a:off x="6248400" y="0"/>
-            <a:ext cx="0" cy="6858000"/>
+            <a:ext cx="0" cy="5143500"/>
           </a:xfrm>
           <a:prstGeom prst="line">
             <a:avLst/>
@@ -4144,7 +4143,7 @@
         <p:spPr bwMode="auto">
           <a:xfrm>
             <a:off x="6192296" y="0"/>
-            <a:ext cx="0" cy="6858000"/>
+            <a:ext cx="0" cy="5143500"/>
           </a:xfrm>
           <a:prstGeom prst="line">
             <a:avLst/>
@@ -4187,7 +4186,7 @@
             <a:fld id="{74BC4726-2204-402F-8651-3DE2807316DF}" type="datetimeFigureOut">
               <a:rPr lang="en-US" smtClean="0"/>
               <a:pPr/>
-              <a:t>3/30/2019</a:t>
+              <a:t>7/27/2019</a:t>
             </a:fld>
             <a:endParaRPr lang="en-US"/>
           </a:p>
@@ -4277,7 +4276,7 @@
         <p:spPr bwMode="auto">
           <a:xfrm>
             <a:off x="8763000" y="0"/>
-            <a:ext cx="0" cy="6858000"/>
+            <a:ext cx="0" cy="5143500"/>
           </a:xfrm>
           <a:prstGeom prst="line">
             <a:avLst/>
@@ -4317,8 +4316,8 @@
         </p:nvSpPr>
         <p:spPr>
           <a:xfrm>
-            <a:off x="457200" y="274638"/>
-            <a:ext cx="7467600" cy="1143000"/>
+            <a:off x="457200" y="205979"/>
+            <a:ext cx="7467600" cy="857250"/>
           </a:xfrm>
           <a:prstGeom prst="rect">
             <a:avLst/>
@@ -4350,8 +4349,8 @@
         </p:nvSpPr>
         <p:spPr>
           <a:xfrm>
-            <a:off x="457200" y="1600200"/>
-            <a:ext cx="7467600" cy="4873752"/>
+            <a:off x="457200" y="1200150"/>
+            <a:ext cx="7467600" cy="3655314"/>
           </a:xfrm>
           <a:prstGeom prst="rect">
             <a:avLst/>
@@ -4412,8 +4411,8 @@
         </p:nvSpPr>
         <p:spPr>
           <a:xfrm rot="5400000">
-            <a:off x="7589520" y="1081851"/>
-            <a:ext cx="2011680" cy="384048"/>
+            <a:off x="7840980" y="763382"/>
+            <a:ext cx="1508760" cy="384048"/>
           </a:xfrm>
           <a:prstGeom prst="rect">
             <a:avLst/>
@@ -4434,7 +4433,7 @@
             <a:fld id="{74BC4726-2204-402F-8651-3DE2807316DF}" type="datetimeFigureOut">
               <a:rPr lang="en-US" smtClean="0"/>
               <a:pPr/>
-              <a:t>3/30/2019</a:t>
+              <a:t>7/27/2019</a:t>
             </a:fld>
             <a:endParaRPr lang="en-US"/>
           </a:p>
@@ -4452,8 +4451,8 @@
         </p:nvSpPr>
         <p:spPr>
           <a:xfrm rot="5400000">
-            <a:off x="6990186" y="3737240"/>
-            <a:ext cx="3200400" cy="365760"/>
+            <a:off x="7390236" y="2757210"/>
+            <a:ext cx="2400300" cy="365760"/>
           </a:xfrm>
           <a:prstGeom prst="rect">
             <a:avLst/>
@@ -4486,7 +4485,7 @@
         <p:spPr bwMode="auto">
           <a:xfrm>
             <a:off x="76200" y="0"/>
-            <a:ext cx="0" cy="6858000"/>
+            <a:ext cx="0" cy="5143500"/>
           </a:xfrm>
           <a:prstGeom prst="line">
             <a:avLst/>
@@ -4524,7 +4523,7 @@
         <p:spPr bwMode="auto">
           <a:xfrm>
             <a:off x="8991600" y="0"/>
-            <a:ext cx="0" cy="6858000"/>
+            <a:ext cx="0" cy="5143500"/>
           </a:xfrm>
           <a:prstGeom prst="line">
             <a:avLst/>
@@ -4558,7 +4557,7 @@
         <p:spPr bwMode="auto">
           <a:xfrm>
             <a:off x="8839200" y="0"/>
-            <a:ext cx="304800" cy="6858000"/>
+            <a:ext cx="304800" cy="5143500"/>
           </a:xfrm>
           <a:prstGeom prst="rect">
             <a:avLst/>
@@ -4609,7 +4608,7 @@
         <p:spPr bwMode="auto">
           <a:xfrm>
             <a:off x="8915400" y="0"/>
-            <a:ext cx="0" cy="6858000"/>
+            <a:ext cx="0" cy="5143500"/>
           </a:xfrm>
           <a:prstGeom prst="line">
             <a:avLst/>
@@ -4642,8 +4641,8 @@
         </p:nvSpPr>
         <p:spPr>
           <a:xfrm>
-            <a:off x="8156448" y="5715000"/>
-            <a:ext cx="548640" cy="548640"/>
+            <a:off x="8156448" y="4286250"/>
+            <a:ext cx="548640" cy="411480"/>
           </a:xfrm>
           <a:prstGeom prst="ellipse">
             <a:avLst/>
@@ -4689,8 +4688,8 @@
         </p:nvSpPr>
         <p:spPr>
           <a:xfrm>
-            <a:off x="8129016" y="5734050"/>
-            <a:ext cx="609600" cy="521208"/>
+            <a:off x="8129016" y="4300538"/>
+            <a:ext cx="609600" cy="390906"/>
           </a:xfrm>
           <a:prstGeom prst="rect">
             <a:avLst/>
@@ -5053,7 +5052,7 @@
         <p:spPr/>
         <p:txBody>
           <a:bodyPr>
-            <a:normAutofit/>
+            <a:normAutofit fontScale="90000"/>
           </a:bodyPr>
           <a:lstStyle/>
           <a:p>
@@ -5359,7 +5358,7 @@
         <p:spPr>
           <a:xfrm>
             <a:off x="0" y="0"/>
-            <a:ext cx="9144000" cy="6858000"/>
+            <a:ext cx="9144000" cy="5143500"/>
           </a:xfrm>
         </p:spPr>
         <p:txBody>
@@ -5369,32 +5368,43 @@
           <a:lstStyle/>
           <a:p>
             <a:r>
-              <a:rPr lang="zh-TW" altLang="en-US" sz="6000" dirty="0" smtClean="0">
+              <a:rPr lang="zh-TW" altLang="en-US" sz="4800" dirty="0" smtClean="0">
                 <a:latin typeface="微軟正黑體" pitchFamily="34" charset="-120"/>
                 <a:ea typeface="微軟正黑體" pitchFamily="34" charset="-120"/>
               </a:rPr>
               <a:t>我們應當彼此相愛。這就是你們從起初所聽見的命令。</a:t>
             </a:r>
-            <a:endParaRPr lang="en-US" altLang="zh-TW" sz="6000" dirty="0" smtClean="0">
+            <a:endParaRPr lang="en-US" altLang="zh-TW" sz="4800" dirty="0" smtClean="0">
               <a:latin typeface="微軟正黑體" pitchFamily="34" charset="-120"/>
               <a:ea typeface="微軟正黑體" pitchFamily="34" charset="-120"/>
             </a:endParaRPr>
           </a:p>
           <a:p>
             <a:r>
-              <a:rPr lang="zh-TW" altLang="en-US" sz="6000" b="1" dirty="0" smtClean="0">
+              <a:rPr lang="zh-TW" altLang="en-US" sz="4800" b="1" dirty="0" smtClean="0">
                 <a:latin typeface="微軟正黑體" pitchFamily="34" charset="-120"/>
                 <a:ea typeface="微軟正黑體" pitchFamily="34" charset="-120"/>
               </a:rPr>
-              <a:t>我們愛，因為神先愛我們。</a:t>
-            </a:r>
-            <a:r>
-              <a:rPr lang="en-US" altLang="zh-TW" sz="6000" b="1" dirty="0" smtClean="0">
+              <a:t>我們愛，因為神先愛我們</a:t>
+            </a:r>
+            <a:r>
+              <a:rPr lang="zh-TW" altLang="en-US" sz="4800" b="1" dirty="0" smtClean="0">
+                <a:latin typeface="微軟正黑體" pitchFamily="34" charset="-120"/>
+                <a:ea typeface="微軟正黑體" pitchFamily="34" charset="-120"/>
+              </a:rPr>
+              <a:t>。</a:t>
+            </a:r>
+            <a:r>
+              <a:rPr lang="en-US" altLang="zh-TW" sz="4800" b="1" dirty="0" smtClean="0">
                 <a:latin typeface="微軟正黑體" pitchFamily="34" charset="-120"/>
                 <a:ea typeface="微軟正黑體" pitchFamily="34" charset="-120"/>
               </a:rPr>
               <a:t> </a:t>
             </a:r>
+            <a:endParaRPr lang="en-US" altLang="zh-TW" sz="4800" b="1" dirty="0" smtClean="0">
+              <a:latin typeface="微軟正黑體" pitchFamily="34" charset="-120"/>
+              <a:ea typeface="微軟正黑體" pitchFamily="34" charset="-120"/>
+            </a:endParaRPr>
           </a:p>
         </p:txBody>
       </p:sp>
@@ -5436,7 +5446,7 @@
         <p:spPr>
           <a:xfrm>
             <a:off x="0" y="0"/>
-            <a:ext cx="9144000" cy="6858000"/>
+            <a:ext cx="9144000" cy="5143500"/>
           </a:xfrm>
         </p:spPr>
         <p:txBody>
@@ -5446,24 +5456,31 @@
           <a:lstStyle/>
           <a:p>
             <a:r>
-              <a:rPr lang="zh-TW" altLang="en-US" sz="6000" dirty="0" smtClean="0">
+              <a:rPr lang="zh-TW" altLang="en-US" sz="4800" dirty="0" smtClean="0">
                 <a:latin typeface="微軟正黑體" pitchFamily="34" charset="-120"/>
                 <a:ea typeface="微軟正黑體" pitchFamily="34" charset="-120"/>
               </a:rPr>
               <a:t>人若說「我愛神」，卻恨他的弟兄，就是說謊話的；不愛他所看見的弟兄，就不能愛沒有看見的神。</a:t>
             </a:r>
-            <a:endParaRPr lang="en-US" altLang="zh-TW" sz="6000" dirty="0" smtClean="0">
+            <a:endParaRPr lang="en-US" altLang="zh-TW" sz="4800" dirty="0" smtClean="0">
               <a:latin typeface="微軟正黑體" pitchFamily="34" charset="-120"/>
               <a:ea typeface="微軟正黑體" pitchFamily="34" charset="-120"/>
             </a:endParaRPr>
           </a:p>
           <a:p>
             <a:r>
-              <a:rPr lang="zh-TW" altLang="en-US" sz="6000" b="1" dirty="0" smtClean="0">
+              <a:rPr lang="zh-TW" altLang="en-US" sz="4800" b="1" dirty="0" smtClean="0">
                 <a:latin typeface="微軟正黑體" pitchFamily="34" charset="-120"/>
                 <a:ea typeface="微軟正黑體" pitchFamily="34" charset="-120"/>
               </a:rPr>
-              <a:t>愛神的，也當愛弟兄，這是我們從神所受的命令。</a:t>
+              <a:t>愛</a:t>
+            </a:r>
+            <a:r>
+              <a:rPr lang="zh-TW" altLang="en-US" sz="4800" b="1" dirty="0">
+                <a:latin typeface="微軟正黑體" pitchFamily="34" charset="-120"/>
+                <a:ea typeface="微軟正黑體" pitchFamily="34" charset="-120"/>
+              </a:rPr>
+              <a:t>神的，也當愛弟兄，這是我們從神所受的命令。</a:t>
             </a:r>
           </a:p>
         </p:txBody>
@@ -5506,7 +5523,7 @@
         <p:spPr>
           <a:xfrm>
             <a:off x="0" y="0"/>
-            <a:ext cx="9144000" cy="6858000"/>
+            <a:ext cx="9144000" cy="5143500"/>
           </a:xfrm>
         </p:spPr>
         <p:txBody>
@@ -5516,7 +5533,7 @@
           <a:lstStyle/>
           <a:p>
             <a:r>
-              <a:rPr lang="zh-TW" altLang="en-US" sz="6000" dirty="0" smtClean="0">
+              <a:rPr lang="zh-TW" altLang="en-US" sz="4800" dirty="0">
                 <a:latin typeface="微軟正黑體" pitchFamily="34" charset="-120"/>
                 <a:ea typeface="微軟正黑體" pitchFamily="34" charset="-120"/>
               </a:rPr>
@@ -5532,7 +5549,7 @@
           </a:p>
           <a:p>
             <a:r>
-              <a:rPr lang="zh-TW" altLang="en-US" sz="6000" b="1" dirty="0" smtClean="0">
+              <a:rPr lang="zh-TW" altLang="en-US" sz="4800" b="1" dirty="0">
                 <a:latin typeface="微軟正黑體" pitchFamily="34" charset="-120"/>
                 <a:ea typeface="微軟正黑體" pitchFamily="34" charset="-120"/>
               </a:rPr>
@@ -5586,7 +5603,7 @@
         <p:spPr>
           <a:xfrm>
             <a:off x="0" y="0"/>
-            <a:ext cx="9144000" cy="6858000"/>
+            <a:ext cx="9144000" cy="5143500"/>
           </a:xfrm>
         </p:spPr>
         <p:txBody>
@@ -5596,14 +5613,14 @@
           <a:lstStyle/>
           <a:p>
             <a:r>
-              <a:rPr lang="zh-TW" altLang="en-US" sz="6000" dirty="0" smtClean="0">
+              <a:rPr lang="zh-TW" altLang="en-US" sz="4800" dirty="0">
                 <a:latin typeface="微軟正黑體" pitchFamily="34" charset="-120"/>
                 <a:ea typeface="微軟正黑體" pitchFamily="34" charset="-120"/>
               </a:rPr>
               <a:t>所以，你們該效法神，好像蒙慈愛的兒女一樣。</a:t>
             </a:r>
             <a:r>
-              <a:rPr lang="en-US" altLang="zh-TW" sz="6000" dirty="0" smtClean="0">
+              <a:rPr lang="en-US" altLang="zh-TW" sz="4800" dirty="0">
                 <a:latin typeface="微軟正黑體" pitchFamily="34" charset="-120"/>
                 <a:ea typeface="微軟正黑體" pitchFamily="34" charset="-120"/>
               </a:rPr>
@@ -5612,13 +5629,13 @@
           </a:p>
           <a:p>
             <a:r>
-              <a:rPr lang="zh-TW" altLang="en-US" sz="6000" b="1" dirty="0" smtClean="0">
+              <a:rPr lang="zh-TW" altLang="en-US" sz="4800" b="1" dirty="0">
                 <a:latin typeface="微軟正黑體" pitchFamily="34" charset="-120"/>
                 <a:ea typeface="微軟正黑體" pitchFamily="34" charset="-120"/>
               </a:rPr>
               <a:t>也要憑愛心行事，正如基督愛我們，為我們捨了自己，當作馨香的供物和祭物，獻與神。</a:t>
             </a:r>
-            <a:endParaRPr lang="en-US" altLang="zh-TW" sz="6000" b="1" dirty="0" smtClean="0">
+            <a:endParaRPr lang="en-US" altLang="zh-TW" sz="4800" b="1" dirty="0">
               <a:latin typeface="微軟正黑體" pitchFamily="34" charset="-120"/>
               <a:ea typeface="微軟正黑體" pitchFamily="34" charset="-120"/>
             </a:endParaRPr>
@@ -5663,7 +5680,7 @@
         <p:spPr>
           <a:xfrm>
             <a:off x="0" y="0"/>
-            <a:ext cx="9144000" cy="6858000"/>
+            <a:ext cx="9144000" cy="5143500"/>
           </a:xfrm>
         </p:spPr>
         <p:txBody>
@@ -5673,26 +5690,26 @@
           <a:lstStyle/>
           <a:p>
             <a:r>
-              <a:rPr lang="zh-TW" altLang="en-US" sz="6000" dirty="0" smtClean="0">
+              <a:rPr lang="zh-TW" altLang="en-US" sz="4800" dirty="0">
                 <a:latin typeface="微軟正黑體" pitchFamily="34" charset="-120"/>
                 <a:ea typeface="微軟正黑體" pitchFamily="34" charset="-120"/>
               </a:rPr>
               <a:t>主為我們捨命，我們從此就知道何為愛；我們也當為弟兄捨命。</a:t>
             </a:r>
-            <a:endParaRPr lang="en-US" altLang="zh-TW" sz="6000" dirty="0" smtClean="0">
+            <a:endParaRPr lang="en-US" altLang="zh-TW" sz="4800" dirty="0">
               <a:latin typeface="微軟正黑體" pitchFamily="34" charset="-120"/>
               <a:ea typeface="微軟正黑體" pitchFamily="34" charset="-120"/>
             </a:endParaRPr>
           </a:p>
           <a:p>
             <a:r>
-              <a:rPr lang="zh-TW" altLang="en-US" sz="6000" b="1" dirty="0" smtClean="0">
+              <a:rPr lang="zh-TW" altLang="en-US" sz="4800" b="1" dirty="0">
                 <a:latin typeface="微軟正黑體" pitchFamily="34" charset="-120"/>
                 <a:ea typeface="微軟正黑體" pitchFamily="34" charset="-120"/>
               </a:rPr>
               <a:t>親愛的弟兄啊，神既是這樣愛我們，我們也當彼此相愛。</a:t>
             </a:r>
-            <a:endParaRPr lang="en-US" altLang="zh-TW" sz="6000" b="1" dirty="0" smtClean="0">
+            <a:endParaRPr lang="en-US" altLang="zh-TW" sz="4800" b="1" dirty="0">
               <a:latin typeface="微軟正黑體" pitchFamily="34" charset="-120"/>
               <a:ea typeface="微軟正黑體" pitchFamily="34" charset="-120"/>
             </a:endParaRPr>
@@ -5737,7 +5754,7 @@
         <p:spPr>
           <a:xfrm>
             <a:off x="0" y="0"/>
-            <a:ext cx="9144000" cy="6858000"/>
+            <a:ext cx="9144000" cy="5143500"/>
           </a:xfrm>
         </p:spPr>
         <p:txBody>
@@ -5747,7 +5764,7 @@
           <a:lstStyle/>
           <a:p>
             <a:r>
-              <a:rPr lang="zh-TW" altLang="en-US" sz="6000" dirty="0" smtClean="0">
+              <a:rPr lang="zh-TW" altLang="en-US" sz="4800" dirty="0">
                 <a:latin typeface="微軟正黑體" pitchFamily="34" charset="-120"/>
                 <a:ea typeface="微軟正黑體" pitchFamily="34" charset="-120"/>
               </a:rPr>
@@ -5760,68 +5777,26 @@
               </a:rPr>
               <a:t> </a:t>
             </a:r>
-            <a:endParaRPr lang="en-US" altLang="zh-TW" sz="6000" dirty="0" smtClean="0">
+            <a:endParaRPr lang="en-US" altLang="zh-TW" sz="6000" b="1" dirty="0" smtClean="0">
               <a:latin typeface="微軟正黑體" pitchFamily="34" charset="-120"/>
               <a:ea typeface="微軟正黑體" pitchFamily="34" charset="-120"/>
             </a:endParaRPr>
           </a:p>
-        </p:txBody>
-      </p:sp>
-    </p:spTree>
-  </p:cSld>
-  <p:clrMapOvr>
-    <a:masterClrMapping/>
-  </p:clrMapOvr>
-</p:sld>
-</file>
-
-<file path=ppt/slides/slide8.xml><?xml version="1.0" encoding="utf-8"?>
-<p:sld xmlns:a="http://schemas.openxmlformats.org/drawingml/2006/main" xmlns:r="http://schemas.openxmlformats.org/officeDocument/2006/relationships" xmlns:p="http://schemas.openxmlformats.org/presentationml/2006/main">
-  <p:cSld>
-    <p:spTree>
-      <p:nvGrpSpPr>
-        <p:cNvPr id="1" name=""/>
-        <p:cNvGrpSpPr/>
-        <p:nvPr/>
-      </p:nvGrpSpPr>
-      <p:grpSpPr>
-        <a:xfrm>
-          <a:off x="0" y="0"/>
-          <a:ext cx="0" cy="0"/>
-          <a:chOff x="0" y="0"/>
-          <a:chExt cx="0" cy="0"/>
-        </a:xfrm>
-      </p:grpSpPr>
-      <p:sp>
-        <p:nvSpPr>
-          <p:cNvPr id="3" name="內容版面配置區 2"/>
-          <p:cNvSpPr>
-            <a:spLocks noGrp="1"/>
-          </p:cNvSpPr>
-          <p:nvPr>
-            <p:ph sz="quarter" idx="1"/>
-          </p:nvPr>
-        </p:nvSpPr>
-        <p:spPr>
-          <a:xfrm>
-            <a:off x="0" y="0"/>
-            <a:ext cx="9144000" cy="6858000"/>
-          </a:xfrm>
-        </p:spPr>
-        <p:txBody>
-          <a:bodyPr>
-            <a:noAutofit/>
-          </a:bodyPr>
-          <a:lstStyle/>
-          <a:p>
-            <a:r>
-              <a:rPr lang="zh-TW" altLang="en-US" sz="6000" b="1" dirty="0" smtClean="0">
+          <a:p>
+            <a:r>
+              <a:rPr lang="zh-TW" altLang="en-US" sz="4800" b="1" dirty="0">
                 <a:latin typeface="微軟正黑體" pitchFamily="34" charset="-120"/>
                 <a:ea typeface="微軟正黑體" pitchFamily="34" charset="-120"/>
               </a:rPr>
               <a:t>從來沒有人見過神，我們若彼此相愛，神就住在我們裡面，愛他的心在我們裡面得以完全了。</a:t>
             </a:r>
-            <a:endParaRPr lang="en-US" altLang="zh-TW" sz="6000" b="1" dirty="0" smtClean="0">
+            <a:endParaRPr lang="en-US" altLang="zh-TW" sz="4800" b="1" dirty="0">
+              <a:latin typeface="微軟正黑體" pitchFamily="34" charset="-120"/>
+              <a:ea typeface="微軟正黑體" pitchFamily="34" charset="-120"/>
+            </a:endParaRPr>
+          </a:p>
+          <a:p>
+            <a:endParaRPr lang="en-US" altLang="zh-TW" sz="6000" dirty="0" smtClean="0">
               <a:latin typeface="微軟正黑體" pitchFamily="34" charset="-120"/>
               <a:ea typeface="微軟正黑體" pitchFamily="34" charset="-120"/>
             </a:endParaRPr>
